--- a/docs/src/assets/Fig1_index.pptx
+++ b/docs/src/assets/Fig1_index.pptx
@@ -104,6 +104,11 @@
       </a:defRPr>
     </a:lvl9pPr>
   </p:defaultTextStyle>
+  <p:extLst>
+    <p:ext uri="{EFAFB233-063F-42B5-8137-9DF3F51BA10A}">
+      <p15:sldGuideLst xmlns:p15="http://schemas.microsoft.com/office/powerpoint/2012/main"/>
+    </p:ext>
+  </p:extLst>
 </p:presentation>
 </file>
 
@@ -256,7 +261,7 @@
           <a:p>
             <a:fld id="{418CA6B7-7294-49BE-8894-FBC98B4D1603}" type="datetimeFigureOut">
               <a:rPr lang="en-US" smtClean="0"/>
-              <a:t>6/25/2025</a:t>
+              <a:t>12/11/2025</a:t>
             </a:fld>
             <a:endParaRPr lang="en-US" dirty="0"/>
           </a:p>
@@ -456,7 +461,7 @@
           <a:p>
             <a:fld id="{418CA6B7-7294-49BE-8894-FBC98B4D1603}" type="datetimeFigureOut">
               <a:rPr lang="en-US" smtClean="0"/>
-              <a:t>6/25/2025</a:t>
+              <a:t>12/11/2025</a:t>
             </a:fld>
             <a:endParaRPr lang="en-US" dirty="0"/>
           </a:p>
@@ -666,7 +671,7 @@
           <a:p>
             <a:fld id="{418CA6B7-7294-49BE-8894-FBC98B4D1603}" type="datetimeFigureOut">
               <a:rPr lang="en-US" smtClean="0"/>
-              <a:t>6/25/2025</a:t>
+              <a:t>12/11/2025</a:t>
             </a:fld>
             <a:endParaRPr lang="en-US" dirty="0"/>
           </a:p>
@@ -866,7 +871,7 @@
           <a:p>
             <a:fld id="{418CA6B7-7294-49BE-8894-FBC98B4D1603}" type="datetimeFigureOut">
               <a:rPr lang="en-US" smtClean="0"/>
-              <a:t>6/25/2025</a:t>
+              <a:t>12/11/2025</a:t>
             </a:fld>
             <a:endParaRPr lang="en-US" dirty="0"/>
           </a:p>
@@ -1142,7 +1147,7 @@
           <a:p>
             <a:fld id="{418CA6B7-7294-49BE-8894-FBC98B4D1603}" type="datetimeFigureOut">
               <a:rPr lang="en-US" smtClean="0"/>
-              <a:t>6/25/2025</a:t>
+              <a:t>12/11/2025</a:t>
             </a:fld>
             <a:endParaRPr lang="en-US" dirty="0"/>
           </a:p>
@@ -1410,7 +1415,7 @@
           <a:p>
             <a:fld id="{418CA6B7-7294-49BE-8894-FBC98B4D1603}" type="datetimeFigureOut">
               <a:rPr lang="en-US" smtClean="0"/>
-              <a:t>6/25/2025</a:t>
+              <a:t>12/11/2025</a:t>
             </a:fld>
             <a:endParaRPr lang="en-US" dirty="0"/>
           </a:p>
@@ -1825,7 +1830,7 @@
           <a:p>
             <a:fld id="{418CA6B7-7294-49BE-8894-FBC98B4D1603}" type="datetimeFigureOut">
               <a:rPr lang="en-US" smtClean="0"/>
-              <a:t>6/25/2025</a:t>
+              <a:t>12/11/2025</a:t>
             </a:fld>
             <a:endParaRPr lang="en-US" dirty="0"/>
           </a:p>
@@ -1967,7 +1972,7 @@
           <a:p>
             <a:fld id="{418CA6B7-7294-49BE-8894-FBC98B4D1603}" type="datetimeFigureOut">
               <a:rPr lang="en-US" smtClean="0"/>
-              <a:t>6/25/2025</a:t>
+              <a:t>12/11/2025</a:t>
             </a:fld>
             <a:endParaRPr lang="en-US" dirty="0"/>
           </a:p>
@@ -2080,7 +2085,7 @@
           <a:p>
             <a:fld id="{418CA6B7-7294-49BE-8894-FBC98B4D1603}" type="datetimeFigureOut">
               <a:rPr lang="en-US" smtClean="0"/>
-              <a:t>6/25/2025</a:t>
+              <a:t>12/11/2025</a:t>
             </a:fld>
             <a:endParaRPr lang="en-US" dirty="0"/>
           </a:p>
@@ -2393,7 +2398,7 @@
           <a:p>
             <a:fld id="{418CA6B7-7294-49BE-8894-FBC98B4D1603}" type="datetimeFigureOut">
               <a:rPr lang="en-US" smtClean="0"/>
-              <a:t>6/25/2025</a:t>
+              <a:t>12/11/2025</a:t>
             </a:fld>
             <a:endParaRPr lang="en-US" dirty="0"/>
           </a:p>
@@ -2682,7 +2687,7 @@
           <a:p>
             <a:fld id="{418CA6B7-7294-49BE-8894-FBC98B4D1603}" type="datetimeFigureOut">
               <a:rPr lang="en-US" smtClean="0"/>
-              <a:t>6/25/2025</a:t>
+              <a:t>12/11/2025</a:t>
             </a:fld>
             <a:endParaRPr lang="en-US" dirty="0"/>
           </a:p>
@@ -2925,7 +2930,7 @@
           <a:p>
             <a:fld id="{418CA6B7-7294-49BE-8894-FBC98B4D1603}" type="datetimeFigureOut">
               <a:rPr lang="en-US" smtClean="0"/>
-              <a:t>6/25/2025</a:t>
+              <a:t>12/11/2025</a:t>
             </a:fld>
             <a:endParaRPr lang="en-US" dirty="0"/>
           </a:p>
@@ -3739,7 +3744,7 @@
           <a:lstStyle/>
           <a:p>
             <a:r>
-              <a:rPr lang="fr-FR" sz="1400" b="1" dirty="0" err="1">
+              <a:rPr lang="fr-FR" sz="1400" b="1" dirty="0">
                 <a:latin typeface="Calibri" panose="020F0502020204030204" pitchFamily="34" charset="0"/>
                 <a:ea typeface="Calibri" panose="020F0502020204030204" pitchFamily="34" charset="0"/>
                 <a:cs typeface="Calibri" panose="020F0502020204030204" pitchFamily="34" charset="0"/>
@@ -3827,7 +3832,7 @@
           <a:lstStyle/>
           <a:p>
             <a:r>
-              <a:rPr lang="fr-FR" sz="1400" b="1" dirty="0" err="1">
+              <a:rPr lang="fr-FR" sz="1400" b="1" dirty="0">
                 <a:latin typeface="Calibri" panose="020F0502020204030204" pitchFamily="34" charset="0"/>
                 <a:ea typeface="Calibri" panose="020F0502020204030204" pitchFamily="34" charset="0"/>
                 <a:cs typeface="Calibri" panose="020F0502020204030204" pitchFamily="34" charset="0"/>
@@ -3925,7 +3930,7 @@
           <a:lstStyle/>
           <a:p>
             <a:r>
-              <a:rPr lang="fr-FR" sz="1400" b="1" dirty="0" err="1">
+              <a:rPr lang="fr-FR" sz="1400" b="1" dirty="0">
                 <a:latin typeface="Calibri" panose="020F0502020204030204" pitchFamily="34" charset="0"/>
                 <a:ea typeface="Calibri" panose="020F0502020204030204" pitchFamily="34" charset="0"/>
                 <a:cs typeface="Calibri" panose="020F0502020204030204" pitchFamily="34" charset="0"/>
@@ -4103,7 +4108,7 @@
           <a:lstStyle/>
           <a:p>
             <a:r>
-              <a:rPr lang="fr-FR" sz="1400" b="1" dirty="0" err="1">
+              <a:rPr lang="fr-FR" sz="1400" b="1" dirty="0">
                 <a:latin typeface="Calibri" panose="020F0502020204030204" pitchFamily="34" charset="0"/>
                 <a:ea typeface="Calibri" panose="020F0502020204030204" pitchFamily="34" charset="0"/>
                 <a:cs typeface="Calibri" panose="020F0502020204030204" pitchFamily="34" charset="0"/>
@@ -4147,7 +4152,7 @@
           <a:lstStyle/>
           <a:p>
             <a:r>
-              <a:rPr lang="fr-FR" sz="1400" b="1" dirty="0" err="1">
+              <a:rPr lang="fr-FR" sz="1400" b="1" dirty="0">
                 <a:latin typeface="Calibri" panose="020F0502020204030204" pitchFamily="34" charset="0"/>
                 <a:ea typeface="Calibri" panose="020F0502020204030204" pitchFamily="34" charset="0"/>
                 <a:cs typeface="Calibri" panose="020F0502020204030204" pitchFamily="34" charset="0"/>
@@ -4247,7 +4252,7 @@
           <a:lstStyle/>
           <a:p>
             <a:r>
-              <a:rPr lang="fr-FR" sz="1400" b="1" dirty="0" err="1">
+              <a:rPr lang="fr-FR" sz="1400" b="1" dirty="0">
                 <a:latin typeface="Calibri" panose="020F0502020204030204" pitchFamily="34" charset="0"/>
                 <a:ea typeface="Calibri" panose="020F0502020204030204" pitchFamily="34" charset="0"/>
                 <a:cs typeface="Calibri" panose="020F0502020204030204" pitchFamily="34" charset="0"/>
@@ -4348,7 +4353,7 @@
           </a:p>
           <a:p>
             <a:r>
-              <a:rPr lang="fr-FR" sz="1400" b="1" dirty="0" err="1">
+              <a:rPr lang="fr-FR" sz="1400" b="1" dirty="0">
                 <a:latin typeface="Calibri" panose="020F0502020204030204" pitchFamily="34" charset="0"/>
                 <a:ea typeface="Calibri" panose="020F0502020204030204" pitchFamily="34" charset="0"/>
                 <a:cs typeface="Calibri" panose="020F0502020204030204" pitchFamily="34" charset="0"/>
@@ -4448,7 +4453,7 @@
           <a:lstStyle/>
           <a:p>
             <a:r>
-              <a:rPr lang="fr-FR" sz="1400" b="1" dirty="0" err="1">
+              <a:rPr lang="fr-FR" sz="1400" b="1" dirty="0">
                 <a:latin typeface="Calibri" panose="020F0502020204030204" pitchFamily="34" charset="0"/>
                 <a:ea typeface="Calibri" panose="020F0502020204030204" pitchFamily="34" charset="0"/>
                 <a:cs typeface="Calibri" panose="020F0502020204030204" pitchFamily="34" charset="0"/>
@@ -4627,7 +4632,7 @@
           <a:lstStyle/>
           <a:p>
             <a:r>
-              <a:rPr lang="fr-FR" sz="1400" b="1" dirty="0" err="1">
+              <a:rPr lang="fr-FR" sz="1400" b="1" dirty="0">
                 <a:latin typeface="Calibri" panose="020F0502020204030204" pitchFamily="34" charset="0"/>
                 <a:ea typeface="Calibri" panose="020F0502020204030204" pitchFamily="34" charset="0"/>
                 <a:cs typeface="Calibri" panose="020F0502020204030204" pitchFamily="34" charset="0"/>

--- a/docs/src/assets/Fig1_index.pptx
+++ b/docs/src/assets/Fig1_index.pptx
@@ -261,7 +261,7 @@
           <a:p>
             <a:fld id="{418CA6B7-7294-49BE-8894-FBC98B4D1603}" type="datetimeFigureOut">
               <a:rPr lang="en-US" smtClean="0"/>
-              <a:t>12/11/2025</a:t>
+              <a:t>2/13/2026</a:t>
             </a:fld>
             <a:endParaRPr lang="en-US" dirty="0"/>
           </a:p>
@@ -461,7 +461,7 @@
           <a:p>
             <a:fld id="{418CA6B7-7294-49BE-8894-FBC98B4D1603}" type="datetimeFigureOut">
               <a:rPr lang="en-US" smtClean="0"/>
-              <a:t>12/11/2025</a:t>
+              <a:t>2/13/2026</a:t>
             </a:fld>
             <a:endParaRPr lang="en-US" dirty="0"/>
           </a:p>
@@ -671,7 +671,7 @@
           <a:p>
             <a:fld id="{418CA6B7-7294-49BE-8894-FBC98B4D1603}" type="datetimeFigureOut">
               <a:rPr lang="en-US" smtClean="0"/>
-              <a:t>12/11/2025</a:t>
+              <a:t>2/13/2026</a:t>
             </a:fld>
             <a:endParaRPr lang="en-US" dirty="0"/>
           </a:p>
@@ -871,7 +871,7 @@
           <a:p>
             <a:fld id="{418CA6B7-7294-49BE-8894-FBC98B4D1603}" type="datetimeFigureOut">
               <a:rPr lang="en-US" smtClean="0"/>
-              <a:t>12/11/2025</a:t>
+              <a:t>2/13/2026</a:t>
             </a:fld>
             <a:endParaRPr lang="en-US" dirty="0"/>
           </a:p>
@@ -1147,7 +1147,7 @@
           <a:p>
             <a:fld id="{418CA6B7-7294-49BE-8894-FBC98B4D1603}" type="datetimeFigureOut">
               <a:rPr lang="en-US" smtClean="0"/>
-              <a:t>12/11/2025</a:t>
+              <a:t>2/13/2026</a:t>
             </a:fld>
             <a:endParaRPr lang="en-US" dirty="0"/>
           </a:p>
@@ -1415,7 +1415,7 @@
           <a:p>
             <a:fld id="{418CA6B7-7294-49BE-8894-FBC98B4D1603}" type="datetimeFigureOut">
               <a:rPr lang="en-US" smtClean="0"/>
-              <a:t>12/11/2025</a:t>
+              <a:t>2/13/2026</a:t>
             </a:fld>
             <a:endParaRPr lang="en-US" dirty="0"/>
           </a:p>
@@ -1830,7 +1830,7 @@
           <a:p>
             <a:fld id="{418CA6B7-7294-49BE-8894-FBC98B4D1603}" type="datetimeFigureOut">
               <a:rPr lang="en-US" smtClean="0"/>
-              <a:t>12/11/2025</a:t>
+              <a:t>2/13/2026</a:t>
             </a:fld>
             <a:endParaRPr lang="en-US" dirty="0"/>
           </a:p>
@@ -1972,7 +1972,7 @@
           <a:p>
             <a:fld id="{418CA6B7-7294-49BE-8894-FBC98B4D1603}" type="datetimeFigureOut">
               <a:rPr lang="en-US" smtClean="0"/>
-              <a:t>12/11/2025</a:t>
+              <a:t>2/13/2026</a:t>
             </a:fld>
             <a:endParaRPr lang="en-US" dirty="0"/>
           </a:p>
@@ -2085,7 +2085,7 @@
           <a:p>
             <a:fld id="{418CA6B7-7294-49BE-8894-FBC98B4D1603}" type="datetimeFigureOut">
               <a:rPr lang="en-US" smtClean="0"/>
-              <a:t>12/11/2025</a:t>
+              <a:t>2/13/2026</a:t>
             </a:fld>
             <a:endParaRPr lang="en-US" dirty="0"/>
           </a:p>
@@ -2398,7 +2398,7 @@
           <a:p>
             <a:fld id="{418CA6B7-7294-49BE-8894-FBC98B4D1603}" type="datetimeFigureOut">
               <a:rPr lang="en-US" smtClean="0"/>
-              <a:t>12/11/2025</a:t>
+              <a:t>2/13/2026</a:t>
             </a:fld>
             <a:endParaRPr lang="en-US" dirty="0"/>
           </a:p>
@@ -2687,7 +2687,7 @@
           <a:p>
             <a:fld id="{418CA6B7-7294-49BE-8894-FBC98B4D1603}" type="datetimeFigureOut">
               <a:rPr lang="en-US" smtClean="0"/>
-              <a:t>12/11/2025</a:t>
+              <a:t>2/13/2026</a:t>
             </a:fld>
             <a:endParaRPr lang="en-US" dirty="0"/>
           </a:p>
@@ -2930,7 +2930,7 @@
           <a:p>
             <a:fld id="{418CA6B7-7294-49BE-8894-FBC98B4D1603}" type="datetimeFigureOut">
               <a:rPr lang="en-US" smtClean="0"/>
-              <a:t>12/11/2025</a:t>
+              <a:t>2/13/2026</a:t>
             </a:fld>
             <a:endParaRPr lang="en-US" dirty="0"/>
           </a:p>
@@ -3361,15 +3361,15 @@
         </p:nvSpPr>
         <p:spPr>
           <a:xfrm>
-            <a:off x="8298613" y="167199"/>
-            <a:ext cx="2754086" cy="6489039"/>
+            <a:off x="7988063" y="167199"/>
+            <a:ext cx="2281571" cy="5990560"/>
           </a:xfrm>
           <a:prstGeom prst="roundRect">
             <a:avLst/>
           </a:prstGeom>
           <a:solidFill>
             <a:schemeClr val="accent1">
-              <a:alpha val="12000"/>
+              <a:alpha val="8000"/>
             </a:schemeClr>
           </a:solidFill>
         </p:spPr>
@@ -3394,7 +3394,7 @@
           <a:lstStyle/>
           <a:p>
             <a:pPr algn="ctr"/>
-            <a:endParaRPr lang="en-US" dirty="0"/>
+            <a:endParaRPr lang="en-US" sz="1600" dirty="0"/>
           </a:p>
         </p:txBody>
       </p:sp>
@@ -3426,8 +3426,8 @@
         </p:blipFill>
         <p:spPr>
           <a:xfrm>
-            <a:off x="3116335" y="3004718"/>
-            <a:ext cx="1800025" cy="1831368"/>
+            <a:off x="3433537" y="2845183"/>
+            <a:ext cx="1661163" cy="1690088"/>
           </a:xfrm>
           <a:prstGeom prst="rect">
             <a:avLst/>
@@ -3462,8 +3462,8 @@
         </p:blipFill>
         <p:spPr>
           <a:xfrm>
-            <a:off x="2978486" y="1112100"/>
-            <a:ext cx="2075722" cy="1255545"/>
+            <a:off x="3464370" y="1094524"/>
+            <a:ext cx="1808490" cy="1093904"/>
           </a:xfrm>
           <a:prstGeom prst="rect">
             <a:avLst/>
@@ -3498,8 +3498,8 @@
         </p:blipFill>
         <p:spPr>
           <a:xfrm>
-            <a:off x="5655735" y="2623152"/>
-            <a:ext cx="2144670" cy="1297250"/>
+            <a:off x="5696663" y="2575888"/>
+            <a:ext cx="1793540" cy="1084861"/>
           </a:xfrm>
           <a:prstGeom prst="rect">
             <a:avLst/>
@@ -3534,8 +3534,8 @@
         </p:blipFill>
         <p:spPr>
           <a:xfrm>
-            <a:off x="5268160" y="5393723"/>
-            <a:ext cx="912630" cy="908221"/>
+            <a:off x="5365632" y="5177725"/>
+            <a:ext cx="729528" cy="726003"/>
           </a:xfrm>
           <a:prstGeom prst="rect">
             <a:avLst/>
@@ -3570,8 +3570,8 @@
         </p:blipFill>
         <p:spPr>
           <a:xfrm>
-            <a:off x="1527981" y="5347586"/>
-            <a:ext cx="1588354" cy="1000493"/>
+            <a:off x="2187005" y="5098539"/>
+            <a:ext cx="1308060" cy="823938"/>
           </a:xfrm>
           <a:prstGeom prst="rect">
             <a:avLst/>
@@ -3606,8 +3606,8 @@
         </p:blipFill>
         <p:spPr>
           <a:xfrm>
-            <a:off x="465600" y="2722617"/>
-            <a:ext cx="1588354" cy="1099481"/>
+            <a:off x="1325130" y="2600573"/>
+            <a:ext cx="1326491" cy="918216"/>
           </a:xfrm>
           <a:prstGeom prst="rect">
             <a:avLst/>
@@ -3628,8 +3628,8 @@
         </p:nvSpPr>
         <p:spPr>
           <a:xfrm>
-            <a:off x="1259777" y="1710401"/>
-            <a:ext cx="5468293" cy="4137433"/>
+            <a:off x="1970766" y="1589638"/>
+            <a:ext cx="4653792" cy="3939894"/>
           </a:xfrm>
           <a:prstGeom prst="pentagon">
             <a:avLst/>
@@ -3682,7 +3682,7 @@
         </p:nvSpPr>
         <p:spPr>
           <a:xfrm>
-            <a:off x="2526354" y="60663"/>
+            <a:off x="2767792" y="72955"/>
             <a:ext cx="2936701" cy="523220"/>
           </a:xfrm>
           <a:prstGeom prst="rect">
@@ -3729,8 +3729,8 @@
         </p:nvSpPr>
         <p:spPr>
           <a:xfrm>
-            <a:off x="1527981" y="5034182"/>
-            <a:ext cx="1627625" cy="307777"/>
+            <a:off x="2121574" y="4806151"/>
+            <a:ext cx="1521891" cy="292388"/>
           </a:xfrm>
           <a:prstGeom prst="rect">
             <a:avLst/>
@@ -3744,14 +3744,14 @@
           <a:lstStyle/>
           <a:p>
             <a:r>
-              <a:rPr lang="fr-FR" sz="1400" b="1" dirty="0">
+              <a:rPr lang="fr-FR" sz="1300" b="1" dirty="0">
                 <a:latin typeface="Calibri" panose="020F0502020204030204" pitchFamily="34" charset="0"/>
                 <a:ea typeface="Calibri" panose="020F0502020204030204" pitchFamily="34" charset="0"/>
                 <a:cs typeface="Calibri" panose="020F0502020204030204" pitchFamily="34" charset="0"/>
               </a:rPr>
               <a:t>PermutationTests.jl</a:t>
             </a:r>
-            <a:endParaRPr lang="en-US" sz="1400" b="1" dirty="0">
+            <a:endParaRPr lang="en-US" sz="1300" b="1" dirty="0">
               <a:latin typeface="Calibri" panose="020F0502020204030204" pitchFamily="34" charset="0"/>
               <a:ea typeface="Calibri" panose="020F0502020204030204" pitchFamily="34" charset="0"/>
               <a:cs typeface="Calibri" panose="020F0502020204030204" pitchFamily="34" charset="0"/>
@@ -3773,7 +3773,7 @@
         </p:nvSpPr>
         <p:spPr>
           <a:xfrm>
-            <a:off x="1708351" y="6333578"/>
+            <a:off x="2252481" y="5950156"/>
             <a:ext cx="1242584" cy="276999"/>
           </a:xfrm>
           <a:prstGeom prst="rect">
@@ -3817,8 +3817,8 @@
         </p:nvSpPr>
         <p:spPr>
           <a:xfrm>
-            <a:off x="5016979" y="5030936"/>
-            <a:ext cx="1552733" cy="307777"/>
+            <a:off x="5014666" y="4843333"/>
+            <a:ext cx="1453796" cy="292388"/>
           </a:xfrm>
           <a:prstGeom prst="rect">
             <a:avLst/>
@@ -3832,14 +3832,14 @@
           <a:lstStyle/>
           <a:p>
             <a:r>
-              <a:rPr lang="fr-FR" sz="1400" b="1" dirty="0">
+              <a:rPr lang="fr-FR" sz="1300" b="1" dirty="0">
                 <a:latin typeface="Calibri" panose="020F0502020204030204" pitchFamily="34" charset="0"/>
                 <a:ea typeface="Calibri" panose="020F0502020204030204" pitchFamily="34" charset="0"/>
                 <a:cs typeface="Calibri" panose="020F0502020204030204" pitchFamily="34" charset="0"/>
               </a:rPr>
               <a:t>Diagonalizations.jl</a:t>
             </a:r>
-            <a:endParaRPr lang="en-US" sz="1400" b="1" dirty="0">
+            <a:endParaRPr lang="en-US" sz="1300" b="1" dirty="0">
               <a:latin typeface="Calibri" panose="020F0502020204030204" pitchFamily="34" charset="0"/>
               <a:ea typeface="Calibri" panose="020F0502020204030204" pitchFamily="34" charset="0"/>
               <a:cs typeface="Calibri" panose="020F0502020204030204" pitchFamily="34" charset="0"/>
@@ -3861,8 +3861,8 @@
         </p:nvSpPr>
         <p:spPr>
           <a:xfrm>
-            <a:off x="8427030" y="3063604"/>
-            <a:ext cx="2562496" cy="461665"/>
+            <a:off x="8116480" y="3063604"/>
+            <a:ext cx="2153154" cy="430887"/>
           </a:xfrm>
           <a:prstGeom prst="rect">
             <a:avLst/>
@@ -3875,23 +3875,134 @@
           </a:bodyPr>
           <a:lstStyle/>
           <a:p>
+            <a:r>
+              <a:rPr lang="fr-FR" sz="1100" dirty="0">
+                <a:latin typeface="Calibri" panose="020F0502020204030204" pitchFamily="34" charset="0"/>
+                <a:ea typeface="Calibri" panose="020F0502020204030204" pitchFamily="34" charset="0"/>
+                <a:cs typeface="Calibri" panose="020F0502020204030204" pitchFamily="34" charset="0"/>
+              </a:rPr>
+              <a:t>Statistics, Probability distributions </a:t>
+            </a:r>
+          </a:p>
+          <a:p>
+            <a:r>
+              <a:rPr lang="fr-FR" sz="1100" dirty="0">
+                <a:latin typeface="Calibri" panose="020F0502020204030204" pitchFamily="34" charset="0"/>
+                <a:ea typeface="Calibri" panose="020F0502020204030204" pitchFamily="34" charset="0"/>
+                <a:cs typeface="Calibri" panose="020F0502020204030204" pitchFamily="34" charset="0"/>
+              </a:rPr>
+              <a:t>and functions</a:t>
+            </a:r>
+            <a:endParaRPr lang="en-US" sz="1100" dirty="0">
+              <a:latin typeface="Calibri" panose="020F0502020204030204" pitchFamily="34" charset="0"/>
+              <a:ea typeface="Calibri" panose="020F0502020204030204" pitchFamily="34" charset="0"/>
+              <a:cs typeface="Calibri" panose="020F0502020204030204" pitchFamily="34" charset="0"/>
+            </a:endParaRPr>
+          </a:p>
+        </p:txBody>
+      </p:sp>
+      <p:sp>
+        <p:nvSpPr>
+          <p:cNvPr id="22" name="ZoneTexte 21">
+            <a:extLst>
+              <a:ext uri="{FF2B5EF4-FFF2-40B4-BE49-F238E27FC236}">
+                <a16:creationId xmlns:a16="http://schemas.microsoft.com/office/drawing/2014/main" id="{A909E96D-AF2C-621C-E75C-65EA8930ACE6}"/>
+              </a:ext>
+            </a:extLst>
+          </p:cNvPr>
+          <p:cNvSpPr txBox="1"/>
+          <p:nvPr/>
+        </p:nvSpPr>
+        <p:spPr>
+          <a:xfrm>
+            <a:off x="1303083" y="2366272"/>
+            <a:ext cx="1377365" cy="292388"/>
+          </a:xfrm>
+          <a:prstGeom prst="rect">
+            <a:avLst/>
+          </a:prstGeom>
+          <a:noFill/>
+        </p:spPr>
+        <p:txBody>
+          <a:bodyPr wrap="none" rtlCol="0">
+            <a:spAutoFit/>
+          </a:bodyPr>
+          <a:lstStyle/>
+          <a:p>
+            <a:r>
+              <a:rPr lang="fr-FR" sz="1300" b="1" dirty="0">
+                <a:latin typeface="Calibri" panose="020F0502020204030204" pitchFamily="34" charset="0"/>
+                <a:ea typeface="Calibri" panose="020F0502020204030204" pitchFamily="34" charset="0"/>
+                <a:cs typeface="Calibri" panose="020F0502020204030204" pitchFamily="34" charset="0"/>
+              </a:rPr>
+              <a:t>FourierAnalysis.jl</a:t>
+            </a:r>
+            <a:endParaRPr lang="en-US" sz="1300" b="1" dirty="0">
+              <a:latin typeface="Calibri" panose="020F0502020204030204" pitchFamily="34" charset="0"/>
+              <a:ea typeface="Calibri" panose="020F0502020204030204" pitchFamily="34" charset="0"/>
+              <a:cs typeface="Calibri" panose="020F0502020204030204" pitchFamily="34" charset="0"/>
+            </a:endParaRPr>
+          </a:p>
+        </p:txBody>
+      </p:sp>
+      <p:sp>
+        <p:nvSpPr>
+          <p:cNvPr id="23" name="ZoneTexte 22">
+            <a:extLst>
+              <a:ext uri="{FF2B5EF4-FFF2-40B4-BE49-F238E27FC236}">
+                <a16:creationId xmlns:a16="http://schemas.microsoft.com/office/drawing/2014/main" id="{E322BD73-96B5-7A7D-02B4-7B1CFB57D8A3}"/>
+              </a:ext>
+            </a:extLst>
+          </p:cNvPr>
+          <p:cNvSpPr txBox="1"/>
+          <p:nvPr/>
+        </p:nvSpPr>
+        <p:spPr>
+          <a:xfrm>
+            <a:off x="988389" y="3491971"/>
+            <a:ext cx="1993113" cy="646331"/>
+          </a:xfrm>
+          <a:prstGeom prst="rect">
+            <a:avLst/>
+          </a:prstGeom>
+          <a:noFill/>
+        </p:spPr>
+        <p:txBody>
+          <a:bodyPr wrap="square" rtlCol="0">
+            <a:spAutoFit/>
+          </a:bodyPr>
+          <a:lstStyle/>
+          <a:p>
+            <a:pPr algn="ctr"/>
             <a:r>
               <a:rPr lang="fr-FR" sz="1200" dirty="0">
                 <a:latin typeface="Calibri" panose="020F0502020204030204" pitchFamily="34" charset="0"/>
                 <a:ea typeface="Calibri" panose="020F0502020204030204" pitchFamily="34" charset="0"/>
                 <a:cs typeface="Calibri" panose="020F0502020204030204" pitchFamily="34" charset="0"/>
               </a:rPr>
-              <a:t>Statistics,</a:t>
-            </a:r>
-          </a:p>
-          <a:p>
+              <a:t>Spectral analysis,</a:t>
+            </a:r>
+          </a:p>
+          <a:p>
+            <a:pPr algn="ctr"/>
             <a:r>
               <a:rPr lang="fr-FR" sz="1200" dirty="0">
                 <a:latin typeface="Calibri" panose="020F0502020204030204" pitchFamily="34" charset="0"/>
                 <a:ea typeface="Calibri" panose="020F0502020204030204" pitchFamily="34" charset="0"/>
                 <a:cs typeface="Calibri" panose="020F0502020204030204" pitchFamily="34" charset="0"/>
               </a:rPr>
-              <a:t>Probability distributions and functions</a:t>
+              <a:t>Time-frequency analysis,</a:t>
+            </a:r>
+          </a:p>
+          <a:p>
+            <a:pPr algn="ctr"/>
+            <a:r>
+              <a:rPr lang="fr-FR" sz="1200" dirty="0">
+                <a:latin typeface="Calibri" panose="020F0502020204030204" pitchFamily="34" charset="0"/>
+                <a:ea typeface="Calibri" panose="020F0502020204030204" pitchFamily="34" charset="0"/>
+                <a:cs typeface="Calibri" panose="020F0502020204030204" pitchFamily="34" charset="0"/>
+              </a:rPr>
+              <a:t>Coherence, Connectivity</a:t>
             </a:r>
             <a:endParaRPr lang="en-US" sz="1200" dirty="0">
               <a:latin typeface="Calibri" panose="020F0502020204030204" pitchFamily="34" charset="0"/>
@@ -3903,10 +4014,10 @@
       </p:sp>
       <p:sp>
         <p:nvSpPr>
-          <p:cNvPr id="22" name="ZoneTexte 21">
-            <a:extLst>
-              <a:ext uri="{FF2B5EF4-FFF2-40B4-BE49-F238E27FC236}">
-                <a16:creationId xmlns:a16="http://schemas.microsoft.com/office/drawing/2014/main" id="{A909E96D-AF2C-621C-E75C-65EA8930ACE6}"/>
+          <p:cNvPr id="24" name="ZoneTexte 23">
+            <a:extLst>
+              <a:ext uri="{FF2B5EF4-FFF2-40B4-BE49-F238E27FC236}">
+                <a16:creationId xmlns:a16="http://schemas.microsoft.com/office/drawing/2014/main" id="{2502BF5E-8F2B-EC8A-24C9-6E19006577CE}"/>
               </a:ext>
             </a:extLst>
           </p:cNvPr>
@@ -3915,129 +4026,7 @@
         </p:nvSpPr>
         <p:spPr>
           <a:xfrm>
-            <a:off x="524704" y="2412026"/>
-            <a:ext cx="1470146" cy="307777"/>
-          </a:xfrm>
-          <a:prstGeom prst="rect">
-            <a:avLst/>
-          </a:prstGeom>
-          <a:noFill/>
-        </p:spPr>
-        <p:txBody>
-          <a:bodyPr wrap="none" rtlCol="0">
-            <a:spAutoFit/>
-          </a:bodyPr>
-          <a:lstStyle/>
-          <a:p>
-            <a:r>
-              <a:rPr lang="fr-FR" sz="1400" b="1" dirty="0">
-                <a:latin typeface="Calibri" panose="020F0502020204030204" pitchFamily="34" charset="0"/>
-                <a:ea typeface="Calibri" panose="020F0502020204030204" pitchFamily="34" charset="0"/>
-                <a:cs typeface="Calibri" panose="020F0502020204030204" pitchFamily="34" charset="0"/>
-              </a:rPr>
-              <a:t>FourierAnalysis.jl</a:t>
-            </a:r>
-            <a:endParaRPr lang="en-US" sz="1400" b="1" dirty="0">
-              <a:latin typeface="Calibri" panose="020F0502020204030204" pitchFamily="34" charset="0"/>
-              <a:ea typeface="Calibri" panose="020F0502020204030204" pitchFamily="34" charset="0"/>
-              <a:cs typeface="Calibri" panose="020F0502020204030204" pitchFamily="34" charset="0"/>
-            </a:endParaRPr>
-          </a:p>
-        </p:txBody>
-      </p:sp>
-      <p:sp>
-        <p:nvSpPr>
-          <p:cNvPr id="23" name="ZoneTexte 22">
-            <a:extLst>
-              <a:ext uri="{FF2B5EF4-FFF2-40B4-BE49-F238E27FC236}">
-                <a16:creationId xmlns:a16="http://schemas.microsoft.com/office/drawing/2014/main" id="{E322BD73-96B5-7A7D-02B4-7B1CFB57D8A3}"/>
-              </a:ext>
-            </a:extLst>
-          </p:cNvPr>
-          <p:cNvSpPr txBox="1"/>
-          <p:nvPr/>
-        </p:nvSpPr>
-        <p:spPr>
-          <a:xfrm>
-            <a:off x="243293" y="3822098"/>
-            <a:ext cx="1993113" cy="830997"/>
-          </a:xfrm>
-          <a:prstGeom prst="rect">
-            <a:avLst/>
-          </a:prstGeom>
-          <a:noFill/>
-        </p:spPr>
-        <p:txBody>
-          <a:bodyPr wrap="square" rtlCol="0">
-            <a:spAutoFit/>
-          </a:bodyPr>
-          <a:lstStyle/>
-          <a:p>
-            <a:pPr algn="ctr"/>
-            <a:r>
-              <a:rPr lang="fr-FR" sz="1200" dirty="0">
-                <a:latin typeface="Calibri" panose="020F0502020204030204" pitchFamily="34" charset="0"/>
-                <a:ea typeface="Calibri" panose="020F0502020204030204" pitchFamily="34" charset="0"/>
-                <a:cs typeface="Calibri" panose="020F0502020204030204" pitchFamily="34" charset="0"/>
-              </a:rPr>
-              <a:t>Spectral analysis</a:t>
-            </a:r>
-          </a:p>
-          <a:p>
-            <a:pPr algn="ctr"/>
-            <a:r>
-              <a:rPr lang="fr-FR" sz="1200" dirty="0">
-                <a:latin typeface="Calibri" panose="020F0502020204030204" pitchFamily="34" charset="0"/>
-                <a:ea typeface="Calibri" panose="020F0502020204030204" pitchFamily="34" charset="0"/>
-                <a:cs typeface="Calibri" panose="020F0502020204030204" pitchFamily="34" charset="0"/>
-              </a:rPr>
-              <a:t>Time-frequency analysis</a:t>
-            </a:r>
-          </a:p>
-          <a:p>
-            <a:pPr algn="ctr"/>
-            <a:r>
-              <a:rPr lang="fr-FR" sz="1200" dirty="0">
-                <a:latin typeface="Calibri" panose="020F0502020204030204" pitchFamily="34" charset="0"/>
-                <a:ea typeface="Calibri" panose="020F0502020204030204" pitchFamily="34" charset="0"/>
-                <a:cs typeface="Calibri" panose="020F0502020204030204" pitchFamily="34" charset="0"/>
-              </a:rPr>
-              <a:t>Coherence </a:t>
-            </a:r>
-          </a:p>
-          <a:p>
-            <a:pPr algn="ctr"/>
-            <a:r>
-              <a:rPr lang="fr-FR" sz="1200" dirty="0">
-                <a:latin typeface="Calibri" panose="020F0502020204030204" pitchFamily="34" charset="0"/>
-                <a:ea typeface="Calibri" panose="020F0502020204030204" pitchFamily="34" charset="0"/>
-                <a:cs typeface="Calibri" panose="020F0502020204030204" pitchFamily="34" charset="0"/>
-              </a:rPr>
-              <a:t>Connectivity</a:t>
-            </a:r>
-            <a:endParaRPr lang="en-US" sz="1200" dirty="0">
-              <a:latin typeface="Calibri" panose="020F0502020204030204" pitchFamily="34" charset="0"/>
-              <a:ea typeface="Calibri" panose="020F0502020204030204" pitchFamily="34" charset="0"/>
-              <a:cs typeface="Calibri" panose="020F0502020204030204" pitchFamily="34" charset="0"/>
-            </a:endParaRPr>
-          </a:p>
-        </p:txBody>
-      </p:sp>
-      <p:sp>
-        <p:nvSpPr>
-          <p:cNvPr id="24" name="ZoneTexte 23">
-            <a:extLst>
-              <a:ext uri="{FF2B5EF4-FFF2-40B4-BE49-F238E27FC236}">
-                <a16:creationId xmlns:a16="http://schemas.microsoft.com/office/drawing/2014/main" id="{2502BF5E-8F2B-EC8A-24C9-6E19006577CE}"/>
-              </a:ext>
-            </a:extLst>
-          </p:cNvPr>
-          <p:cNvSpPr txBox="1"/>
-          <p:nvPr/>
-        </p:nvSpPr>
-        <p:spPr>
-          <a:xfrm>
-            <a:off x="6053098" y="3662693"/>
+            <a:off x="5951603" y="3428970"/>
             <a:ext cx="1261885" cy="461665"/>
           </a:xfrm>
           <a:prstGeom prst="rect">
@@ -4093,8 +4082,8 @@
         </p:nvSpPr>
         <p:spPr>
           <a:xfrm>
-            <a:off x="5850508" y="2412026"/>
-            <a:ext cx="1753493" cy="307777"/>
+            <a:off x="5765265" y="2374898"/>
+            <a:ext cx="1643399" cy="292388"/>
           </a:xfrm>
           <a:prstGeom prst="rect">
             <a:avLst/>
@@ -4108,14 +4097,14 @@
           <a:lstStyle/>
           <a:p>
             <a:r>
-              <a:rPr lang="fr-FR" sz="1400" b="1" dirty="0">
+              <a:rPr lang="fr-FR" sz="1300" b="1" dirty="0">
                 <a:latin typeface="Calibri" panose="020F0502020204030204" pitchFamily="34" charset="0"/>
                 <a:ea typeface="Calibri" panose="020F0502020204030204" pitchFamily="34" charset="0"/>
                 <a:cs typeface="Calibri" panose="020F0502020204030204" pitchFamily="34" charset="0"/>
               </a:rPr>
               <a:t>PosDefManifoldML.jl</a:t>
             </a:r>
-            <a:endParaRPr lang="en-US" sz="1400" b="1" dirty="0">
+            <a:endParaRPr lang="en-US" sz="1300" b="1" dirty="0">
               <a:latin typeface="Calibri" panose="020F0502020204030204" pitchFamily="34" charset="0"/>
               <a:ea typeface="Calibri" panose="020F0502020204030204" pitchFamily="34" charset="0"/>
               <a:cs typeface="Calibri" panose="020F0502020204030204" pitchFamily="34" charset="0"/>
@@ -4137,8 +4126,8 @@
         </p:nvSpPr>
         <p:spPr>
           <a:xfrm>
-            <a:off x="3255818" y="845231"/>
-            <a:ext cx="1521057" cy="307777"/>
+            <a:off x="3563071" y="833977"/>
+            <a:ext cx="1426994" cy="292388"/>
           </a:xfrm>
           <a:prstGeom prst="rect">
             <a:avLst/>
@@ -4152,14 +4141,14 @@
           <a:lstStyle/>
           <a:p>
             <a:r>
-              <a:rPr lang="fr-FR" sz="1400" b="1" dirty="0">
+              <a:rPr lang="fr-FR" sz="1300" b="1" dirty="0">
                 <a:latin typeface="Calibri" panose="020F0502020204030204" pitchFamily="34" charset="0"/>
                 <a:ea typeface="Calibri" panose="020F0502020204030204" pitchFamily="34" charset="0"/>
                 <a:cs typeface="Calibri" panose="020F0502020204030204" pitchFamily="34" charset="0"/>
               </a:rPr>
               <a:t>PosDefManifold.jl</a:t>
             </a:r>
-            <a:endParaRPr lang="en-US" sz="1400" b="1" dirty="0">
+            <a:endParaRPr lang="en-US" sz="1300" b="1" dirty="0">
               <a:latin typeface="Calibri" panose="020F0502020204030204" pitchFamily="34" charset="0"/>
               <a:ea typeface="Calibri" panose="020F0502020204030204" pitchFamily="34" charset="0"/>
               <a:cs typeface="Calibri" panose="020F0502020204030204" pitchFamily="34" charset="0"/>
@@ -4181,7 +4170,7 @@
         </p:nvSpPr>
         <p:spPr>
           <a:xfrm>
-            <a:off x="3530494" y="2073057"/>
+            <a:off x="3839018" y="1938323"/>
             <a:ext cx="926857" cy="461665"/>
           </a:xfrm>
           <a:prstGeom prst="rect">
@@ -4237,8 +4226,8 @@
         </p:nvSpPr>
         <p:spPr>
           <a:xfrm>
-            <a:off x="8435113" y="4263022"/>
-            <a:ext cx="2013308" cy="307777"/>
+            <a:off x="8124563" y="4263022"/>
+            <a:ext cx="1751377" cy="276999"/>
           </a:xfrm>
           <a:prstGeom prst="rect">
             <a:avLst/>
@@ -4252,14 +4241,14 @@
           <a:lstStyle/>
           <a:p>
             <a:r>
-              <a:rPr lang="fr-FR" sz="1400" b="1" dirty="0">
+              <a:rPr lang="fr-FR" sz="1200" b="1" dirty="0">
                 <a:latin typeface="Calibri" panose="020F0502020204030204" pitchFamily="34" charset="0"/>
                 <a:ea typeface="Calibri" panose="020F0502020204030204" pitchFamily="34" charset="0"/>
                 <a:cs typeface="Calibri" panose="020F0502020204030204" pitchFamily="34" charset="0"/>
               </a:rPr>
               <a:t>CovarianceEstimations.jl</a:t>
             </a:r>
-            <a:endParaRPr lang="en-US" sz="1400" b="1" dirty="0">
+            <a:endParaRPr lang="en-US" sz="1200" b="1" dirty="0">
               <a:latin typeface="Calibri" panose="020F0502020204030204" pitchFamily="34" charset="0"/>
               <a:ea typeface="Calibri" panose="020F0502020204030204" pitchFamily="34" charset="0"/>
               <a:cs typeface="Calibri" panose="020F0502020204030204" pitchFamily="34" charset="0"/>
@@ -4296,8 +4285,8 @@
         </p:blipFill>
         <p:spPr bwMode="auto">
           <a:xfrm>
-            <a:off x="9933651" y="707574"/>
-            <a:ext cx="998572" cy="998572"/>
+            <a:off x="9284168" y="699460"/>
+            <a:ext cx="890831" cy="890831"/>
           </a:xfrm>
           <a:prstGeom prst="rect">
             <a:avLst/>
@@ -4328,8 +4317,8 @@
         </p:nvSpPr>
         <p:spPr>
           <a:xfrm>
-            <a:off x="8435113" y="2600561"/>
-            <a:ext cx="2019335" cy="523220"/>
+            <a:off x="8124563" y="2600561"/>
+            <a:ext cx="1751313" cy="461665"/>
           </a:xfrm>
           <a:prstGeom prst="rect">
             <a:avLst/>
@@ -4343,7 +4332,7 @@
           <a:lstStyle/>
           <a:p>
             <a:r>
-              <a:rPr lang="fr-FR" sz="1400" b="1" dirty="0">
+              <a:rPr lang="fr-FR" sz="1200" b="1" dirty="0">
                 <a:latin typeface="Calibri" panose="020F0502020204030204" pitchFamily="34" charset="0"/>
                 <a:ea typeface="Calibri" panose="020F0502020204030204" pitchFamily="34" charset="0"/>
                 <a:cs typeface="Calibri" panose="020F0502020204030204" pitchFamily="34" charset="0"/>
@@ -4353,14 +4342,14 @@
           </a:p>
           <a:p>
             <a:r>
-              <a:rPr lang="fr-FR" sz="1400" b="1" dirty="0">
+              <a:rPr lang="fr-FR" sz="1200" b="1" dirty="0">
                 <a:latin typeface="Calibri" panose="020F0502020204030204" pitchFamily="34" charset="0"/>
                 <a:ea typeface="Calibri" panose="020F0502020204030204" pitchFamily="34" charset="0"/>
                 <a:cs typeface="Calibri" panose="020F0502020204030204" pitchFamily="34" charset="0"/>
               </a:rPr>
               <a:t>Distributions.jl</a:t>
             </a:r>
-            <a:endParaRPr lang="en-US" sz="1400" b="1" dirty="0">
+            <a:endParaRPr lang="en-US" sz="1200" b="1" dirty="0">
               <a:latin typeface="Calibri" panose="020F0502020204030204" pitchFamily="34" charset="0"/>
               <a:ea typeface="Calibri" panose="020F0502020204030204" pitchFamily="34" charset="0"/>
               <a:cs typeface="Calibri" panose="020F0502020204030204" pitchFamily="34" charset="0"/>
@@ -4382,8 +4371,8 @@
         </p:nvSpPr>
         <p:spPr>
           <a:xfrm>
-            <a:off x="5219568" y="6290447"/>
-            <a:ext cx="1667059" cy="461665"/>
+            <a:off x="4276568" y="5949919"/>
+            <a:ext cx="3204726" cy="276999"/>
           </a:xfrm>
           <a:prstGeom prst="rect">
             <a:avLst/>
@@ -4391,7 +4380,7 @@
           <a:noFill/>
         </p:spPr>
         <p:txBody>
-          <a:bodyPr wrap="none" rtlCol="0">
+          <a:bodyPr wrap="square" rtlCol="0">
             <a:spAutoFit/>
           </a:bodyPr>
           <a:lstStyle/>
@@ -4403,18 +4392,7 @@
                 <a:ea typeface="Calibri" panose="020F0502020204030204" pitchFamily="34" charset="0"/>
                 <a:cs typeface="Calibri" panose="020F0502020204030204" pitchFamily="34" charset="0"/>
               </a:rPr>
-              <a:t>Spatial filters</a:t>
-            </a:r>
-          </a:p>
-          <a:p>
-            <a:pPr algn="ctr"/>
-            <a:r>
-              <a:rPr lang="fr-FR" sz="1200" dirty="0">
-                <a:latin typeface="Calibri" panose="020F0502020204030204" pitchFamily="34" charset="0"/>
-                <a:ea typeface="Calibri" panose="020F0502020204030204" pitchFamily="34" charset="0"/>
-                <a:cs typeface="Calibri" panose="020F0502020204030204" pitchFamily="34" charset="0"/>
-              </a:rPr>
-              <a:t>Blind Source Separation</a:t>
+              <a:t>Spatial filters, Blind Source Separation</a:t>
             </a:r>
             <a:endParaRPr lang="en-US" sz="1200" dirty="0">
               <a:latin typeface="Calibri" panose="020F0502020204030204" pitchFamily="34" charset="0"/>
@@ -4438,8 +4416,8 @@
         </p:nvSpPr>
         <p:spPr>
           <a:xfrm>
-            <a:off x="8435113" y="3604618"/>
-            <a:ext cx="599267" cy="307777"/>
+            <a:off x="8124563" y="3604618"/>
+            <a:ext cx="539571" cy="276999"/>
           </a:xfrm>
           <a:prstGeom prst="rect">
             <a:avLst/>
@@ -4453,14 +4431,14 @@
           <a:lstStyle/>
           <a:p>
             <a:r>
-              <a:rPr lang="fr-FR" sz="1400" b="1" dirty="0">
+              <a:rPr lang="fr-FR" sz="1200" b="1" dirty="0">
                 <a:latin typeface="Calibri" panose="020F0502020204030204" pitchFamily="34" charset="0"/>
                 <a:ea typeface="Calibri" panose="020F0502020204030204" pitchFamily="34" charset="0"/>
                 <a:cs typeface="Calibri" panose="020F0502020204030204" pitchFamily="34" charset="0"/>
               </a:rPr>
               <a:t>DSP.jl</a:t>
             </a:r>
-            <a:endParaRPr lang="en-US" sz="1400" b="1" dirty="0">
+            <a:endParaRPr lang="en-US" sz="1200" b="1" dirty="0">
               <a:latin typeface="Calibri" panose="020F0502020204030204" pitchFamily="34" charset="0"/>
               <a:ea typeface="Calibri" panose="020F0502020204030204" pitchFamily="34" charset="0"/>
               <a:cs typeface="Calibri" panose="020F0502020204030204" pitchFamily="34" charset="0"/>
@@ -4482,8 +4460,8 @@
         </p:nvSpPr>
         <p:spPr>
           <a:xfrm>
-            <a:off x="8435402" y="3877421"/>
-            <a:ext cx="1682320" cy="276999"/>
+            <a:off x="8124852" y="3877421"/>
+            <a:ext cx="1552028" cy="261610"/>
           </a:xfrm>
           <a:prstGeom prst="rect">
             <a:avLst/>
@@ -4497,14 +4475,14 @@
           <a:lstStyle/>
           <a:p>
             <a:r>
-              <a:rPr lang="fr-FR" sz="1200" dirty="0">
+              <a:rPr lang="fr-FR" sz="1100" dirty="0">
                 <a:latin typeface="Calibri" panose="020F0502020204030204" pitchFamily="34" charset="0"/>
                 <a:ea typeface="Calibri" panose="020F0502020204030204" pitchFamily="34" charset="0"/>
                 <a:cs typeface="Calibri" panose="020F0502020204030204" pitchFamily="34" charset="0"/>
               </a:rPr>
               <a:t>Digital Signal Processing</a:t>
             </a:r>
-            <a:endParaRPr lang="en-US" sz="1200" dirty="0">
+            <a:endParaRPr lang="en-US" sz="1100" dirty="0">
               <a:latin typeface="Calibri" panose="020F0502020204030204" pitchFamily="34" charset="0"/>
               <a:ea typeface="Calibri" panose="020F0502020204030204" pitchFamily="34" charset="0"/>
               <a:cs typeface="Calibri" panose="020F0502020204030204" pitchFamily="34" charset="0"/>
@@ -4526,8 +4504,8 @@
         </p:nvSpPr>
         <p:spPr>
           <a:xfrm>
-            <a:off x="8435402" y="4525102"/>
-            <a:ext cx="1573188" cy="276999"/>
+            <a:off x="8124852" y="4525102"/>
+            <a:ext cx="1457450" cy="261610"/>
           </a:xfrm>
           <a:prstGeom prst="rect">
             <a:avLst/>
@@ -4541,14 +4519,14 @@
           <a:lstStyle/>
           <a:p>
             <a:r>
-              <a:rPr lang="fr-FR" sz="1200" dirty="0">
+              <a:rPr lang="fr-FR" sz="1100" dirty="0">
                 <a:latin typeface="Calibri" panose="020F0502020204030204" pitchFamily="34" charset="0"/>
                 <a:ea typeface="Calibri" panose="020F0502020204030204" pitchFamily="34" charset="0"/>
                 <a:cs typeface="Calibri" panose="020F0502020204030204" pitchFamily="34" charset="0"/>
               </a:rPr>
               <a:t>Covariance Estimation</a:t>
             </a:r>
-            <a:endParaRPr lang="en-US" sz="1200" dirty="0">
+            <a:endParaRPr lang="en-US" sz="1100" dirty="0">
               <a:latin typeface="Calibri" panose="020F0502020204030204" pitchFamily="34" charset="0"/>
               <a:ea typeface="Calibri" panose="020F0502020204030204" pitchFamily="34" charset="0"/>
               <a:cs typeface="Calibri" panose="020F0502020204030204" pitchFamily="34" charset="0"/>
@@ -4585,8 +4563,8 @@
         </p:blipFill>
         <p:spPr bwMode="auto">
           <a:xfrm>
-            <a:off x="8443195" y="700241"/>
-            <a:ext cx="998572" cy="998572"/>
+            <a:off x="8132645" y="700241"/>
+            <a:ext cx="890831" cy="890831"/>
           </a:xfrm>
           <a:prstGeom prst="rect">
             <a:avLst/>
@@ -4617,8 +4595,8 @@
         </p:nvSpPr>
         <p:spPr>
           <a:xfrm>
-            <a:off x="8435113" y="1906756"/>
-            <a:ext cx="1353769" cy="307777"/>
+            <a:off x="8124563" y="1906756"/>
+            <a:ext cx="1189493" cy="276999"/>
           </a:xfrm>
           <a:prstGeom prst="rect">
             <a:avLst/>
@@ -4632,14 +4610,14 @@
           <a:lstStyle/>
           <a:p>
             <a:r>
-              <a:rPr lang="fr-FR" sz="1400" b="1" dirty="0">
+              <a:rPr lang="fr-FR" sz="1200" b="1" dirty="0">
                 <a:latin typeface="Calibri" panose="020F0502020204030204" pitchFamily="34" charset="0"/>
                 <a:ea typeface="Calibri" panose="020F0502020204030204" pitchFamily="34" charset="0"/>
                 <a:cs typeface="Calibri" panose="020F0502020204030204" pitchFamily="34" charset="0"/>
               </a:rPr>
               <a:t>LinearAlgebra.jl</a:t>
             </a:r>
-            <a:endParaRPr lang="en-US" sz="1400" b="1" dirty="0">
+            <a:endParaRPr lang="en-US" sz="1200" b="1" dirty="0">
               <a:latin typeface="Calibri" panose="020F0502020204030204" pitchFamily="34" charset="0"/>
               <a:ea typeface="Calibri" panose="020F0502020204030204" pitchFamily="34" charset="0"/>
               <a:cs typeface="Calibri" panose="020F0502020204030204" pitchFamily="34" charset="0"/>
@@ -4661,8 +4639,8 @@
         </p:nvSpPr>
         <p:spPr>
           <a:xfrm>
-            <a:off x="8427030" y="2153250"/>
-            <a:ext cx="2007986" cy="276999"/>
+            <a:off x="8116480" y="2153250"/>
+            <a:ext cx="1871025" cy="261610"/>
           </a:xfrm>
           <a:prstGeom prst="rect">
             <a:avLst/>
@@ -4676,14 +4654,14 @@
           <a:lstStyle/>
           <a:p>
             <a:r>
-              <a:rPr lang="fr-FR" sz="1200" dirty="0">
+              <a:rPr lang="fr-FR" sz="1100" dirty="0">
                 <a:latin typeface="Calibri" panose="020F0502020204030204" pitchFamily="34" charset="0"/>
                 <a:ea typeface="Calibri" panose="020F0502020204030204" pitchFamily="34" charset="0"/>
                 <a:cs typeface="Calibri" panose="020F0502020204030204" pitchFamily="34" charset="0"/>
               </a:rPr>
               <a:t>Linear Algebra, BLAS, LAPACK</a:t>
             </a:r>
-            <a:endParaRPr lang="en-US" sz="1200" dirty="0">
+            <a:endParaRPr lang="en-US" sz="1100" dirty="0">
               <a:latin typeface="Calibri" panose="020F0502020204030204" pitchFamily="34" charset="0"/>
               <a:ea typeface="Calibri" panose="020F0502020204030204" pitchFamily="34" charset="0"/>
               <a:cs typeface="Calibri" panose="020F0502020204030204" pitchFamily="34" charset="0"/>
@@ -4705,7 +4683,7 @@
         </p:nvSpPr>
         <p:spPr>
           <a:xfrm>
-            <a:off x="3657690" y="2990457"/>
+            <a:off x="3875767" y="2760036"/>
             <a:ext cx="824265" cy="400110"/>
           </a:xfrm>
           <a:prstGeom prst="rect">
@@ -4752,8 +4730,8 @@
         </p:nvSpPr>
         <p:spPr>
           <a:xfrm>
-            <a:off x="8776313" y="201762"/>
-            <a:ext cx="1792350" cy="461665"/>
+            <a:off x="8350650" y="206500"/>
+            <a:ext cx="1525226" cy="400110"/>
           </a:xfrm>
           <a:prstGeom prst="rect">
             <a:avLst/>
@@ -4770,7 +4748,7 @@
           <a:lstStyle/>
           <a:p>
             <a:r>
-              <a:rPr lang="fr-FR" sz="2400" b="1" dirty="0">
+              <a:rPr lang="fr-FR" sz="2000" b="1" dirty="0">
                 <a:solidFill>
                   <a:schemeClr val="tx1">
                     <a:lumMod val="75000"/>
@@ -4780,7 +4758,7 @@
               </a:rPr>
               <a:t>Powered by</a:t>
             </a:r>
-            <a:endParaRPr lang="en-US" sz="2400" b="1" dirty="0">
+            <a:endParaRPr lang="en-US" sz="2000" b="1" dirty="0">
               <a:solidFill>
                 <a:schemeClr val="tx1">
                   <a:lumMod val="75000"/>
@@ -4788,6 +4766,127 @@
                 </a:schemeClr>
               </a:solidFill>
             </a:endParaRPr>
+          </a:p>
+        </p:txBody>
+      </p:sp>
+      <p:pic>
+        <p:nvPicPr>
+          <p:cNvPr id="3" name="Image 2" descr="Une image contenant Cerveau&#10;&#10;Le contenu généré par l’IA peut être incorrect.">
+            <a:extLst>
+              <a:ext uri="{FF2B5EF4-FFF2-40B4-BE49-F238E27FC236}">
+                <a16:creationId xmlns:a16="http://schemas.microsoft.com/office/drawing/2014/main" id="{BFB14526-12B1-A77D-9EA7-68092B9800FD}"/>
+              </a:ext>
+            </a:extLst>
+          </p:cNvPr>
+          <p:cNvPicPr>
+            <a:picLocks noChangeAspect="1"/>
+          </p:cNvPicPr>
+          <p:nvPr/>
+        </p:nvPicPr>
+        <p:blipFill>
+          <a:blip r:embed="rId10">
+            <a:extLst>
+              <a:ext uri="{28A0092B-C50C-407E-A947-70E740481C1C}">
+                <a14:useLocalDpi xmlns:a14="http://schemas.microsoft.com/office/drawing/2010/main" val="0"/>
+              </a:ext>
+            </a:extLst>
+          </a:blip>
+          <a:stretch>
+            <a:fillRect/>
+          </a:stretch>
+        </p:blipFill>
+        <p:spPr>
+          <a:xfrm>
+            <a:off x="1679376" y="998049"/>
+            <a:ext cx="1088002" cy="729337"/>
+          </a:xfrm>
+          <a:prstGeom prst="rect">
+            <a:avLst/>
+          </a:prstGeom>
+        </p:spPr>
+      </p:pic>
+      <p:cxnSp>
+        <p:nvCxnSpPr>
+          <p:cNvPr id="6" name="Connecteur droit 5">
+            <a:extLst>
+              <a:ext uri="{FF2B5EF4-FFF2-40B4-BE49-F238E27FC236}">
+                <a16:creationId xmlns:a16="http://schemas.microsoft.com/office/drawing/2014/main" id="{477D36EC-4A1B-A4BF-DFFF-AB037E70B514}"/>
+              </a:ext>
+            </a:extLst>
+          </p:cNvPr>
+          <p:cNvCxnSpPr>
+            <a:cxnSpLocks/>
+          </p:cNvCxnSpPr>
+          <p:nvPr/>
+        </p:nvCxnSpPr>
+        <p:spPr>
+          <a:xfrm flipH="1" flipV="1">
+            <a:off x="2609803" y="1834468"/>
+            <a:ext cx="1033662" cy="1386623"/>
+          </a:xfrm>
+          <a:prstGeom prst="line">
+            <a:avLst/>
+          </a:prstGeom>
+          <a:ln w="12700">
+            <a:solidFill>
+              <a:srgbClr val="53A62A">
+                <a:alpha val="37000"/>
+              </a:srgbClr>
+            </a:solidFill>
+          </a:ln>
+        </p:spPr>
+        <p:style>
+          <a:lnRef idx="2">
+            <a:schemeClr val="accent1"/>
+          </a:lnRef>
+          <a:fillRef idx="0">
+            <a:schemeClr val="accent1"/>
+          </a:fillRef>
+          <a:effectRef idx="1">
+            <a:schemeClr val="accent1"/>
+          </a:effectRef>
+          <a:fontRef idx="minor">
+            <a:schemeClr val="tx1"/>
+          </a:fontRef>
+        </p:style>
+      </p:cxnSp>
+      <p:sp>
+        <p:nvSpPr>
+          <p:cNvPr id="8" name="ZoneTexte 7">
+            <a:extLst>
+              <a:ext uri="{FF2B5EF4-FFF2-40B4-BE49-F238E27FC236}">
+                <a16:creationId xmlns:a16="http://schemas.microsoft.com/office/drawing/2014/main" id="{80583204-CD47-EB67-1AC7-0D21AF06E753}"/>
+              </a:ext>
+            </a:extLst>
+          </p:cNvPr>
+          <p:cNvSpPr txBox="1"/>
+          <p:nvPr/>
+        </p:nvSpPr>
+        <p:spPr>
+          <a:xfrm>
+            <a:off x="1653806" y="1651461"/>
+            <a:ext cx="1245598" cy="276999"/>
+          </a:xfrm>
+          <a:prstGeom prst="rect">
+            <a:avLst/>
+          </a:prstGeom>
+          <a:noFill/>
+        </p:spPr>
+        <p:txBody>
+          <a:bodyPr wrap="none" rtlCol="0">
+            <a:spAutoFit/>
+          </a:bodyPr>
+          <a:lstStyle/>
+          <a:p>
+            <a:pPr algn="ctr"/>
+            <a:r>
+              <a:rPr lang="fr-FR" sz="1200" dirty="0">
+                <a:latin typeface="Calibri" panose="020F0502020204030204" pitchFamily="34" charset="0"/>
+                <a:ea typeface="Calibri" panose="020F0502020204030204" pitchFamily="34" charset="0"/>
+                <a:cs typeface="Calibri" panose="020F0502020204030204" pitchFamily="34" charset="0"/>
+              </a:rPr>
+              <a:t>Inverse Solutions</a:t>
+            </a:r>
           </a:p>
         </p:txBody>
       </p:sp>

--- a/docs/src/assets/Fig1_index.pptx
+++ b/docs/src/assets/Fig1_index.pptx
@@ -3361,8 +3361,8 @@
         </p:nvSpPr>
         <p:spPr>
           <a:xfrm>
-            <a:off x="7988063" y="167199"/>
-            <a:ext cx="2281571" cy="5990560"/>
+            <a:off x="7988063" y="301925"/>
+            <a:ext cx="2281571" cy="5486400"/>
           </a:xfrm>
           <a:prstGeom prst="roundRect">
             <a:avLst/>
@@ -3426,8 +3426,8 @@
         </p:blipFill>
         <p:spPr>
           <a:xfrm>
-            <a:off x="3433537" y="2845183"/>
-            <a:ext cx="1661163" cy="1690088"/>
+            <a:off x="3560901" y="2748673"/>
+            <a:ext cx="1453635" cy="1478946"/>
           </a:xfrm>
           <a:prstGeom prst="rect">
             <a:avLst/>
@@ -3534,7 +3534,7 @@
         </p:blipFill>
         <p:spPr>
           <a:xfrm>
-            <a:off x="5365632" y="5177725"/>
+            <a:off x="5365632" y="4832667"/>
             <a:ext cx="729528" cy="726003"/>
           </a:xfrm>
           <a:prstGeom prst="rect">
@@ -3570,7 +3570,7 @@
         </p:blipFill>
         <p:spPr>
           <a:xfrm>
-            <a:off x="2187005" y="5098539"/>
+            <a:off x="2187005" y="4787986"/>
             <a:ext cx="1308060" cy="823938"/>
           </a:xfrm>
           <a:prstGeom prst="rect">
@@ -3629,7 +3629,7 @@
         <p:spPr>
           <a:xfrm>
             <a:off x="1970766" y="1589638"/>
-            <a:ext cx="4653792" cy="3939894"/>
+            <a:ext cx="4653792" cy="3611741"/>
           </a:xfrm>
           <a:prstGeom prst="pentagon">
             <a:avLst/>
@@ -3682,7 +3682,7 @@
         </p:nvSpPr>
         <p:spPr>
           <a:xfrm>
-            <a:off x="2767792" y="72955"/>
+            <a:off x="2916659" y="155954"/>
             <a:ext cx="2936701" cy="523220"/>
           </a:xfrm>
           <a:prstGeom prst="rect">
@@ -3729,7 +3729,7 @@
         </p:nvSpPr>
         <p:spPr>
           <a:xfrm>
-            <a:off x="2121574" y="4806151"/>
+            <a:off x="2121574" y="4495598"/>
             <a:ext cx="1521891" cy="292388"/>
           </a:xfrm>
           <a:prstGeom prst="rect">
@@ -3773,7 +3773,7 @@
         </p:nvSpPr>
         <p:spPr>
           <a:xfrm>
-            <a:off x="2252481" y="5950156"/>
+            <a:off x="2252481" y="5639603"/>
             <a:ext cx="1242584" cy="276999"/>
           </a:xfrm>
           <a:prstGeom prst="rect">
@@ -3817,7 +3817,7 @@
         </p:nvSpPr>
         <p:spPr>
           <a:xfrm>
-            <a:off x="5014666" y="4843333"/>
+            <a:off x="5014666" y="4498275"/>
             <a:ext cx="1453796" cy="292388"/>
           </a:xfrm>
           <a:prstGeom prst="rect">
@@ -3861,7 +3861,7 @@
         </p:nvSpPr>
         <p:spPr>
           <a:xfrm>
-            <a:off x="8116480" y="3063604"/>
+            <a:off x="8116480" y="3210251"/>
             <a:ext cx="2153154" cy="430887"/>
           </a:xfrm>
           <a:prstGeom prst="rect">
@@ -4226,7 +4226,7 @@
         </p:nvSpPr>
         <p:spPr>
           <a:xfrm>
-            <a:off x="8124563" y="4263022"/>
+            <a:off x="8124563" y="4409669"/>
             <a:ext cx="1751377" cy="276999"/>
           </a:xfrm>
           <a:prstGeom prst="rect">
@@ -4285,7 +4285,7 @@
         </p:blipFill>
         <p:spPr bwMode="auto">
           <a:xfrm>
-            <a:off x="9284168" y="699460"/>
+            <a:off x="9179708" y="940091"/>
             <a:ext cx="890831" cy="890831"/>
           </a:xfrm>
           <a:prstGeom prst="rect">
@@ -4317,7 +4317,7 @@
         </p:nvSpPr>
         <p:spPr>
           <a:xfrm>
-            <a:off x="8124563" y="2600561"/>
+            <a:off x="8124563" y="2747208"/>
             <a:ext cx="1751313" cy="461665"/>
           </a:xfrm>
           <a:prstGeom prst="rect">
@@ -4371,7 +4371,7 @@
         </p:nvSpPr>
         <p:spPr>
           <a:xfrm>
-            <a:off x="4276568" y="5949919"/>
+            <a:off x="4208849" y="5632426"/>
             <a:ext cx="3204726" cy="276999"/>
           </a:xfrm>
           <a:prstGeom prst="rect">
@@ -4416,7 +4416,7 @@
         </p:nvSpPr>
         <p:spPr>
           <a:xfrm>
-            <a:off x="8124563" y="3604618"/>
+            <a:off x="8124563" y="3751265"/>
             <a:ext cx="539571" cy="276999"/>
           </a:xfrm>
           <a:prstGeom prst="rect">
@@ -4460,7 +4460,7 @@
         </p:nvSpPr>
         <p:spPr>
           <a:xfrm>
-            <a:off x="8124852" y="3877421"/>
+            <a:off x="8124852" y="4024068"/>
             <a:ext cx="1552028" cy="261610"/>
           </a:xfrm>
           <a:prstGeom prst="rect">
@@ -4504,7 +4504,7 @@
         </p:nvSpPr>
         <p:spPr>
           <a:xfrm>
-            <a:off x="8124852" y="4525102"/>
+            <a:off x="8124852" y="4671749"/>
             <a:ext cx="1457450" cy="261610"/>
           </a:xfrm>
           <a:prstGeom prst="rect">
@@ -4563,7 +4563,7 @@
         </p:blipFill>
         <p:spPr bwMode="auto">
           <a:xfrm>
-            <a:off x="8132645" y="700241"/>
+            <a:off x="8133189" y="923669"/>
             <a:ext cx="890831" cy="890831"/>
           </a:xfrm>
           <a:prstGeom prst="rect">
@@ -4595,7 +4595,7 @@
         </p:nvSpPr>
         <p:spPr>
           <a:xfrm>
-            <a:off x="8124563" y="1906756"/>
+            <a:off x="8124563" y="2053403"/>
             <a:ext cx="1189493" cy="276999"/>
           </a:xfrm>
           <a:prstGeom prst="rect">
@@ -4639,7 +4639,7 @@
         </p:nvSpPr>
         <p:spPr>
           <a:xfrm>
-            <a:off x="8116480" y="2153250"/>
+            <a:off x="8116480" y="2299897"/>
             <a:ext cx="1871025" cy="261610"/>
           </a:xfrm>
           <a:prstGeom prst="rect">
@@ -4683,7 +4683,7 @@
         </p:nvSpPr>
         <p:spPr>
           <a:xfrm>
-            <a:off x="3875767" y="2760036"/>
+            <a:off x="3921025" y="2578390"/>
             <a:ext cx="824265" cy="400110"/>
           </a:xfrm>
           <a:prstGeom prst="rect">
@@ -4730,7 +4730,7 @@
         </p:nvSpPr>
         <p:spPr>
           <a:xfrm>
-            <a:off x="8350650" y="206500"/>
+            <a:off x="8308181" y="346704"/>
             <a:ext cx="1525226" cy="400110"/>
           </a:xfrm>
           <a:prstGeom prst="rect">
@@ -4887,6 +4887,94 @@
               </a:rPr>
               <a:t>Inverse Solutions</a:t>
             </a:r>
+          </a:p>
+        </p:txBody>
+      </p:sp>
+      <p:sp>
+        <p:nvSpPr>
+          <p:cNvPr id="2" name="ZoneTexte 1">
+            <a:extLst>
+              <a:ext uri="{FF2B5EF4-FFF2-40B4-BE49-F238E27FC236}">
+                <a16:creationId xmlns:a16="http://schemas.microsoft.com/office/drawing/2014/main" id="{7D7C7724-76B3-C9B0-B9E2-1070CA0B9AE1}"/>
+              </a:ext>
+            </a:extLst>
+          </p:cNvPr>
+          <p:cNvSpPr txBox="1"/>
+          <p:nvPr/>
+        </p:nvSpPr>
+        <p:spPr>
+          <a:xfrm>
+            <a:off x="8130318" y="5071027"/>
+            <a:ext cx="731419" cy="276999"/>
+          </a:xfrm>
+          <a:prstGeom prst="rect">
+            <a:avLst/>
+          </a:prstGeom>
+          <a:noFill/>
+        </p:spPr>
+        <p:txBody>
+          <a:bodyPr wrap="none" rtlCol="0">
+            <a:spAutoFit/>
+          </a:bodyPr>
+          <a:lstStyle/>
+          <a:p>
+            <a:r>
+              <a:rPr lang="fr-FR" sz="1200" b="1" dirty="0" err="1">
+                <a:latin typeface="Calibri" panose="020F0502020204030204" pitchFamily="34" charset="0"/>
+                <a:ea typeface="Calibri" panose="020F0502020204030204" pitchFamily="34" charset="0"/>
+                <a:cs typeface="Calibri" panose="020F0502020204030204" pitchFamily="34" charset="0"/>
+              </a:rPr>
+              <a:t>Bonito.jl</a:t>
+            </a:r>
+            <a:endParaRPr lang="en-US" sz="1200" b="1" dirty="0">
+              <a:latin typeface="Calibri" panose="020F0502020204030204" pitchFamily="34" charset="0"/>
+              <a:ea typeface="Calibri" panose="020F0502020204030204" pitchFamily="34" charset="0"/>
+              <a:cs typeface="Calibri" panose="020F0502020204030204" pitchFamily="34" charset="0"/>
+            </a:endParaRPr>
+          </a:p>
+        </p:txBody>
+      </p:sp>
+      <p:sp>
+        <p:nvSpPr>
+          <p:cNvPr id="4" name="ZoneTexte 3">
+            <a:extLst>
+              <a:ext uri="{FF2B5EF4-FFF2-40B4-BE49-F238E27FC236}">
+                <a16:creationId xmlns:a16="http://schemas.microsoft.com/office/drawing/2014/main" id="{9A33CF80-4E2B-6948-654F-C8732BFA7B0C}"/>
+              </a:ext>
+            </a:extLst>
+          </p:cNvPr>
+          <p:cNvSpPr txBox="1"/>
+          <p:nvPr/>
+        </p:nvSpPr>
+        <p:spPr>
+          <a:xfrm>
+            <a:off x="8130607" y="5333107"/>
+            <a:ext cx="755335" cy="261610"/>
+          </a:xfrm>
+          <a:prstGeom prst="rect">
+            <a:avLst/>
+          </a:prstGeom>
+          <a:noFill/>
+        </p:spPr>
+        <p:txBody>
+          <a:bodyPr wrap="none" rtlCol="0">
+            <a:spAutoFit/>
+          </a:bodyPr>
+          <a:lstStyle/>
+          <a:p>
+            <a:r>
+              <a:rPr lang="fr-FR" sz="1100" dirty="0">
+                <a:latin typeface="Calibri" panose="020F0502020204030204" pitchFamily="34" charset="0"/>
+                <a:ea typeface="Calibri" panose="020F0502020204030204" pitchFamily="34" charset="0"/>
+                <a:cs typeface="Calibri" panose="020F0502020204030204" pitchFamily="34" charset="0"/>
+              </a:rPr>
+              <a:t>Web GUIs</a:t>
+            </a:r>
+            <a:endParaRPr lang="en-US" sz="1100" dirty="0">
+              <a:latin typeface="Calibri" panose="020F0502020204030204" pitchFamily="34" charset="0"/>
+              <a:ea typeface="Calibri" panose="020F0502020204030204" pitchFamily="34" charset="0"/>
+              <a:cs typeface="Calibri" panose="020F0502020204030204" pitchFamily="34" charset="0"/>
+            </a:endParaRPr>
           </a:p>
         </p:txBody>
       </p:sp>

--- a/docs/src/assets/Fig1_index.pptx
+++ b/docs/src/assets/Fig1_index.pptx
@@ -3361,8 +3361,8 @@
         </p:nvSpPr>
         <p:spPr>
           <a:xfrm>
-            <a:off x="7988063" y="301925"/>
-            <a:ext cx="2281571" cy="5486400"/>
+            <a:off x="7729269" y="346703"/>
+            <a:ext cx="2221189" cy="5248013"/>
           </a:xfrm>
           <a:prstGeom prst="roundRect">
             <a:avLst/>
@@ -3426,7 +3426,7 @@
         </p:blipFill>
         <p:spPr>
           <a:xfrm>
-            <a:off x="3560901" y="2748673"/>
+            <a:off x="3560901" y="2679665"/>
             <a:ext cx="1453635" cy="1478946"/>
           </a:xfrm>
           <a:prstGeom prst="rect">
@@ -3462,8 +3462,8 @@
         </p:blipFill>
         <p:spPr>
           <a:xfrm>
-            <a:off x="3464370" y="1094524"/>
-            <a:ext cx="1808490" cy="1093904"/>
+            <a:off x="3584330" y="1104455"/>
+            <a:ext cx="1453635" cy="879262"/>
           </a:xfrm>
           <a:prstGeom prst="rect">
             <a:avLst/>
@@ -3498,8 +3498,8 @@
         </p:blipFill>
         <p:spPr>
           <a:xfrm>
-            <a:off x="5696663" y="2575888"/>
-            <a:ext cx="1793540" cy="1084861"/>
+            <a:off x="5895941" y="2524854"/>
+            <a:ext cx="1410353" cy="853082"/>
           </a:xfrm>
           <a:prstGeom prst="rect">
             <a:avLst/>
@@ -3534,8 +3534,8 @@
         </p:blipFill>
         <p:spPr>
           <a:xfrm>
-            <a:off x="5365632" y="4832667"/>
-            <a:ext cx="729528" cy="726003"/>
+            <a:off x="5440601" y="4780195"/>
+            <a:ext cx="624570" cy="621553"/>
           </a:xfrm>
           <a:prstGeom prst="rect">
             <a:avLst/>
@@ -3570,8 +3570,8 @@
         </p:blipFill>
         <p:spPr>
           <a:xfrm>
-            <a:off x="2187005" y="4787986"/>
-            <a:ext cx="1308060" cy="823938"/>
+            <a:off x="2310387" y="4765807"/>
+            <a:ext cx="1081726" cy="681372"/>
           </a:xfrm>
           <a:prstGeom prst="rect">
             <a:avLst/>
@@ -3606,8 +3606,8 @@
         </p:blipFill>
         <p:spPr>
           <a:xfrm>
-            <a:off x="1325130" y="2600573"/>
-            <a:ext cx="1326491" cy="918216"/>
+            <a:off x="1431168" y="2524592"/>
+            <a:ext cx="1102160" cy="762931"/>
           </a:xfrm>
           <a:prstGeom prst="rect">
             <a:avLst/>
@@ -3628,7 +3628,7 @@
         </p:nvSpPr>
         <p:spPr>
           <a:xfrm>
-            <a:off x="1970766" y="1589638"/>
+            <a:off x="1970766" y="1520630"/>
             <a:ext cx="4653792" cy="3611741"/>
           </a:xfrm>
           <a:prstGeom prst="pentagon">
@@ -3729,7 +3729,7 @@
         </p:nvSpPr>
         <p:spPr>
           <a:xfrm>
-            <a:off x="2121574" y="4495598"/>
+            <a:off x="2112827" y="4487807"/>
             <a:ext cx="1521891" cy="292388"/>
           </a:xfrm>
           <a:prstGeom prst="rect">
@@ -3773,7 +3773,7 @@
         </p:nvSpPr>
         <p:spPr>
           <a:xfrm>
-            <a:off x="2252481" y="5639603"/>
+            <a:off x="2219386" y="5386910"/>
             <a:ext cx="1242584" cy="276999"/>
           </a:xfrm>
           <a:prstGeom prst="rect">
@@ -3817,7 +3817,7 @@
         </p:nvSpPr>
         <p:spPr>
           <a:xfrm>
-            <a:off x="5014666" y="4498275"/>
+            <a:off x="4961571" y="4479160"/>
             <a:ext cx="1453796" cy="292388"/>
           </a:xfrm>
           <a:prstGeom prst="rect">
@@ -3861,7 +3861,7 @@
         </p:nvSpPr>
         <p:spPr>
           <a:xfrm>
-            <a:off x="8116480" y="3210251"/>
+            <a:off x="7797304" y="3106739"/>
             <a:ext cx="2153154" cy="430887"/>
           </a:xfrm>
           <a:prstGeom prst="rect">
@@ -3915,7 +3915,7 @@
         </p:nvSpPr>
         <p:spPr>
           <a:xfrm>
-            <a:off x="1303083" y="2366272"/>
+            <a:off x="1303083" y="2297264"/>
             <a:ext cx="1377365" cy="292388"/>
           </a:xfrm>
           <a:prstGeom prst="rect">
@@ -3959,7 +3959,7 @@
         </p:nvSpPr>
         <p:spPr>
           <a:xfrm>
-            <a:off x="988389" y="3491971"/>
+            <a:off x="974209" y="3275986"/>
             <a:ext cx="1993113" cy="646331"/>
           </a:xfrm>
           <a:prstGeom prst="rect">
@@ -4026,7 +4026,7 @@
         </p:nvSpPr>
         <p:spPr>
           <a:xfrm>
-            <a:off x="5951603" y="3428970"/>
+            <a:off x="5942687" y="3220592"/>
             <a:ext cx="1261885" cy="461665"/>
           </a:xfrm>
           <a:prstGeom prst="rect">
@@ -4082,7 +4082,7 @@
         </p:nvSpPr>
         <p:spPr>
           <a:xfrm>
-            <a:off x="5765265" y="2374898"/>
+            <a:off x="5765265" y="2305890"/>
             <a:ext cx="1643399" cy="292388"/>
           </a:xfrm>
           <a:prstGeom prst="rect">
@@ -4126,7 +4126,7 @@
         </p:nvSpPr>
         <p:spPr>
           <a:xfrm>
-            <a:off x="3563071" y="833977"/>
+            <a:off x="3634718" y="859934"/>
             <a:ext cx="1426994" cy="292388"/>
           </a:xfrm>
           <a:prstGeom prst="rect">
@@ -4170,7 +4170,7 @@
         </p:nvSpPr>
         <p:spPr>
           <a:xfrm>
-            <a:off x="3839018" y="1938323"/>
+            <a:off x="3834233" y="1755531"/>
             <a:ext cx="926857" cy="461665"/>
           </a:xfrm>
           <a:prstGeom prst="rect">
@@ -4226,7 +4226,7 @@
         </p:nvSpPr>
         <p:spPr>
           <a:xfrm>
-            <a:off x="8124563" y="4409669"/>
+            <a:off x="7805387" y="4288905"/>
             <a:ext cx="1751377" cy="276999"/>
           </a:xfrm>
           <a:prstGeom prst="rect">
@@ -4285,7 +4285,7 @@
         </p:blipFill>
         <p:spPr bwMode="auto">
           <a:xfrm>
-            <a:off x="9179708" y="940091"/>
+            <a:off x="8860532" y="940091"/>
             <a:ext cx="890831" cy="890831"/>
           </a:xfrm>
           <a:prstGeom prst="rect">
@@ -4317,7 +4317,7 @@
         </p:nvSpPr>
         <p:spPr>
           <a:xfrm>
-            <a:off x="8124563" y="2747208"/>
+            <a:off x="7805387" y="2678200"/>
             <a:ext cx="1751313" cy="461665"/>
           </a:xfrm>
           <a:prstGeom prst="rect">
@@ -4371,7 +4371,7 @@
         </p:nvSpPr>
         <p:spPr>
           <a:xfrm>
-            <a:off x="4208849" y="5632426"/>
+            <a:off x="4192645" y="5418308"/>
             <a:ext cx="3204726" cy="276999"/>
           </a:xfrm>
           <a:prstGeom prst="rect">
@@ -4416,7 +4416,7 @@
         </p:nvSpPr>
         <p:spPr>
           <a:xfrm>
-            <a:off x="8124563" y="3751265"/>
+            <a:off x="7805387" y="3665005"/>
             <a:ext cx="539571" cy="276999"/>
           </a:xfrm>
           <a:prstGeom prst="rect">
@@ -4460,7 +4460,7 @@
         </p:nvSpPr>
         <p:spPr>
           <a:xfrm>
-            <a:off x="8124852" y="4024068"/>
+            <a:off x="7805676" y="3911930"/>
             <a:ext cx="1552028" cy="261610"/>
           </a:xfrm>
           <a:prstGeom prst="rect">
@@ -4504,8 +4504,8 @@
         </p:nvSpPr>
         <p:spPr>
           <a:xfrm>
-            <a:off x="8124852" y="4671749"/>
-            <a:ext cx="1457450" cy="261610"/>
+            <a:off x="7805676" y="4533733"/>
+            <a:ext cx="1511952" cy="261610"/>
           </a:xfrm>
           <a:prstGeom prst="rect">
             <a:avLst/>
@@ -4524,7 +4524,7 @@
                 <a:ea typeface="Calibri" panose="020F0502020204030204" pitchFamily="34" charset="0"/>
                 <a:cs typeface="Calibri" panose="020F0502020204030204" pitchFamily="34" charset="0"/>
               </a:rPr>
-              <a:t>Covariance Estimation</a:t>
+              <a:t>Covariance Estimations</a:t>
             </a:r>
             <a:endParaRPr lang="en-US" sz="1100" dirty="0">
               <a:latin typeface="Calibri" panose="020F0502020204030204" pitchFamily="34" charset="0"/>
@@ -4563,7 +4563,7 @@
         </p:blipFill>
         <p:spPr bwMode="auto">
           <a:xfrm>
-            <a:off x="8133189" y="923669"/>
+            <a:off x="7814013" y="923669"/>
             <a:ext cx="890831" cy="890831"/>
           </a:xfrm>
           <a:prstGeom prst="rect">
@@ -4595,7 +4595,7 @@
         </p:nvSpPr>
         <p:spPr>
           <a:xfrm>
-            <a:off x="8124563" y="2053403"/>
+            <a:off x="7796761" y="2053403"/>
             <a:ext cx="1189493" cy="276999"/>
           </a:xfrm>
           <a:prstGeom prst="rect">
@@ -4639,7 +4639,7 @@
         </p:nvSpPr>
         <p:spPr>
           <a:xfrm>
-            <a:off x="8116480" y="2299897"/>
+            <a:off x="7797304" y="2299897"/>
             <a:ext cx="1871025" cy="261610"/>
           </a:xfrm>
           <a:prstGeom prst="rect">
@@ -4683,7 +4683,7 @@
         </p:nvSpPr>
         <p:spPr>
           <a:xfrm>
-            <a:off x="3921025" y="2578390"/>
+            <a:off x="3921025" y="2509382"/>
             <a:ext cx="824265" cy="400110"/>
           </a:xfrm>
           <a:prstGeom prst="rect">
@@ -4730,7 +4730,7 @@
         </p:nvSpPr>
         <p:spPr>
           <a:xfrm>
-            <a:off x="8308181" y="346704"/>
+            <a:off x="8031474" y="415664"/>
             <a:ext cx="1525226" cy="400110"/>
           </a:xfrm>
           <a:prstGeom prst="rect">
@@ -4797,8 +4797,8 @@
         </p:blipFill>
         <p:spPr>
           <a:xfrm>
-            <a:off x="1679376" y="998049"/>
-            <a:ext cx="1088002" cy="729337"/>
+            <a:off x="1723416" y="1013426"/>
+            <a:ext cx="952300" cy="638370"/>
           </a:xfrm>
           <a:prstGeom prst="rect">
             <a:avLst/>
@@ -4821,8 +4821,8 @@
         </p:nvCxnSpPr>
         <p:spPr>
           <a:xfrm flipH="1" flipV="1">
-            <a:off x="2609803" y="1834468"/>
-            <a:ext cx="1033662" cy="1386623"/>
+            <a:off x="2579452" y="1402091"/>
+            <a:ext cx="1142478" cy="1574026"/>
           </a:xfrm>
           <a:prstGeom prst="line">
             <a:avLst/>
@@ -4864,7 +4864,7 @@
         </p:nvSpPr>
         <p:spPr>
           <a:xfrm>
-            <a:off x="1653806" y="1651461"/>
+            <a:off x="1618468" y="1592175"/>
             <a:ext cx="1245598" cy="276999"/>
           </a:xfrm>
           <a:prstGeom prst="rect">
@@ -4904,7 +4904,7 @@
         </p:nvSpPr>
         <p:spPr>
           <a:xfrm>
-            <a:off x="8130318" y="5071027"/>
+            <a:off x="7811142" y="4924385"/>
             <a:ext cx="731419" cy="276999"/>
           </a:xfrm>
           <a:prstGeom prst="rect">
@@ -4948,7 +4948,7 @@
         </p:nvSpPr>
         <p:spPr>
           <a:xfrm>
-            <a:off x="8130607" y="5333107"/>
+            <a:off x="7811431" y="5169213"/>
             <a:ext cx="755335" cy="261610"/>
           </a:xfrm>
           <a:prstGeom prst="rect">
